--- a/Parallelizing Dijkstra’s Algorithm.pptx
+++ b/Parallelizing Dijkstra’s Algorithm.pptx
@@ -11,6 +11,11 @@
     <p:sldId id="259" r:id="rId5"/>
     <p:sldId id="260" r:id="rId6"/>
     <p:sldId id="261" r:id="rId7"/>
+    <p:sldId id="262" r:id="rId8"/>
+    <p:sldId id="263" r:id="rId9"/>
+    <p:sldId id="264" r:id="rId10"/>
+    <p:sldId id="265" r:id="rId11"/>
+    <p:sldId id="266" r:id="rId12"/>
   </p:sldIdLst>
   <p:sldSz cx="12192000" cy="6858000"/>
   <p:notesSz cx="6858000" cy="9144000"/>
@@ -109,6 +114,11 @@
       </a:defRPr>
     </a:lvl9pPr>
   </p:defaultTextStyle>
+  <p:extLst>
+    <p:ext uri="{EFAFB233-063F-42B5-8137-9DF3F51BA10A}">
+      <p15:sldGuideLst xmlns:p15="http://schemas.microsoft.com/office/powerpoint/2012/main"/>
+    </p:ext>
+  </p:extLst>
 </p:presentation>
 </file>
 
@@ -158,7 +168,7 @@
           </a:lstStyle>
           <a:p>
             <a:r>
-              <a:rPr lang="en-US" smtClean="0"/>
+              <a:rPr lang="en-US"/>
               <a:t>Click to edit Master title style</a:t>
             </a:r>
             <a:endParaRPr lang="en-US" dirty="0"/>
@@ -279,7 +289,7 @@
           </a:lstStyle>
           <a:p>
             <a:r>
-              <a:rPr lang="en-US" smtClean="0"/>
+              <a:rPr lang="en-US"/>
               <a:t>Click to edit Master subtitle style</a:t>
             </a:r>
             <a:endParaRPr lang="en-US" dirty="0"/>
@@ -304,7 +314,7 @@
             <a:fld id="{B61BEF0D-F0BB-DE4B-95CE-6DB70DBA9567}" type="datetimeFigureOut">
               <a:rPr lang="en-US" dirty="0"/>
               <a:pPr/>
-              <a:t>11/2/2018</a:t>
+              <a:t>11/6/2018</a:t>
             </a:fld>
             <a:endParaRPr lang="en-US" dirty="0"/>
           </a:p>
@@ -569,7 +579,7 @@
           <a:lstStyle/>
           <a:p>
             <a:r>
-              <a:rPr lang="en-US" smtClean="0"/>
+              <a:rPr lang="en-US"/>
               <a:t>Click to edit Master title style</a:t>
             </a:r>
             <a:endParaRPr lang="en-US" dirty="0"/>
@@ -656,7 +666,7 @@
           </a:lstStyle>
           <a:p>
             <a:r>
-              <a:rPr lang="en-US" smtClean="0"/>
+              <a:rPr lang="en-US"/>
               <a:t>Click icon to add picture</a:t>
             </a:r>
             <a:endParaRPr lang="en-US" dirty="0"/>
@@ -713,7 +723,7 @@
           <a:p>
             <a:pPr lvl="0"/>
             <a:r>
-              <a:rPr lang="en-US" smtClean="0"/>
+              <a:rPr lang="en-US"/>
               <a:t>Edit Master text styles</a:t>
             </a:r>
           </a:p>
@@ -737,7 +747,7 @@
             <a:fld id="{B61BEF0D-F0BB-DE4B-95CE-6DB70DBA9567}" type="datetimeFigureOut">
               <a:rPr lang="en-US" dirty="0"/>
               <a:pPr/>
-              <a:t>11/2/2018</a:t>
+              <a:t>11/6/2018</a:t>
             </a:fld>
             <a:endParaRPr lang="en-US" dirty="0"/>
           </a:p>
@@ -838,7 +848,7 @@
           </a:lstStyle>
           <a:p>
             <a:r>
-              <a:rPr lang="en-US" smtClean="0"/>
+              <a:rPr lang="en-US"/>
               <a:t>Click to edit Master title style</a:t>
             </a:r>
             <a:endParaRPr lang="en-US" dirty="0"/>
@@ -960,7 +970,7 @@
           <a:p>
             <a:pPr lvl="0"/>
             <a:r>
-              <a:rPr lang="en-US" smtClean="0"/>
+              <a:rPr lang="en-US"/>
               <a:t>Edit Master text styles</a:t>
             </a:r>
           </a:p>
@@ -984,7 +994,7 @@
             <a:fld id="{B61BEF0D-F0BB-DE4B-95CE-6DB70DBA9567}" type="datetimeFigureOut">
               <a:rPr lang="en-US" dirty="0"/>
               <a:pPr/>
-              <a:t>11/2/2018</a:t>
+              <a:t>11/6/2018</a:t>
             </a:fld>
             <a:endParaRPr lang="en-US" dirty="0"/>
           </a:p>
@@ -1089,7 +1099,7 @@
           </a:lstStyle>
           <a:p>
             <a:r>
-              <a:rPr lang="en-US" smtClean="0"/>
+              <a:rPr lang="en-US"/>
               <a:t>Click to edit Master title style</a:t>
             </a:r>
             <a:endParaRPr lang="en-US" dirty="0"/>
@@ -1144,7 +1154,7 @@
           <a:p>
             <a:pPr lvl="0"/>
             <a:r>
-              <a:rPr lang="en-US" smtClean="0"/>
+              <a:rPr lang="en-US"/>
               <a:t>Edit Master text styles</a:t>
             </a:r>
           </a:p>
@@ -1265,7 +1275,7 @@
           <a:p>
             <a:pPr lvl="0"/>
             <a:r>
-              <a:rPr lang="en-US" smtClean="0"/>
+              <a:rPr lang="en-US"/>
               <a:t>Edit Master text styles</a:t>
             </a:r>
           </a:p>
@@ -1289,7 +1299,7 @@
             <a:fld id="{B61BEF0D-F0BB-DE4B-95CE-6DB70DBA9567}" type="datetimeFigureOut">
               <a:rPr lang="en-US" dirty="0"/>
               <a:pPr/>
-              <a:t>11/2/2018</a:t>
+              <a:t>11/6/2018</a:t>
             </a:fld>
             <a:endParaRPr lang="en-US" dirty="0"/>
           </a:p>
@@ -1458,7 +1468,7 @@
           </a:lstStyle>
           <a:p>
             <a:r>
-              <a:rPr lang="en-US" smtClean="0"/>
+              <a:rPr lang="en-US"/>
               <a:t>Click to edit Master title style</a:t>
             </a:r>
             <a:endParaRPr lang="en-US" dirty="0"/>
@@ -1580,7 +1590,7 @@
           <a:p>
             <a:pPr lvl="0"/>
             <a:r>
-              <a:rPr lang="en-US" smtClean="0"/>
+              <a:rPr lang="en-US"/>
               <a:t>Edit Master text styles</a:t>
             </a:r>
           </a:p>
@@ -1604,7 +1614,7 @@
             <a:fld id="{B61BEF0D-F0BB-DE4B-95CE-6DB70DBA9567}" type="datetimeFigureOut">
               <a:rPr lang="en-US" dirty="0"/>
               <a:pPr/>
-              <a:t>11/2/2018</a:t>
+              <a:t>11/6/2018</a:t>
             </a:fld>
             <a:endParaRPr lang="en-US" dirty="0"/>
           </a:p>
@@ -1709,7 +1719,7 @@
           </a:lstStyle>
           <a:p>
             <a:r>
-              <a:rPr lang="en-US" smtClean="0"/>
+              <a:rPr lang="en-US"/>
               <a:t>Click to edit Master title style</a:t>
             </a:r>
             <a:endParaRPr lang="en-US" dirty="0"/>
@@ -1758,7 +1768,7 @@
               <a:buNone/>
             </a:pPr>
             <a:r>
-              <a:rPr lang="en-US" smtClean="0"/>
+              <a:rPr lang="en-US"/>
               <a:t>Edit Master text styles</a:t>
             </a:r>
           </a:p>
@@ -1879,7 +1889,7 @@
           <a:p>
             <a:pPr lvl="0"/>
             <a:r>
-              <a:rPr lang="en-US" smtClean="0"/>
+              <a:rPr lang="en-US"/>
               <a:t>Edit Master text styles</a:t>
             </a:r>
           </a:p>
@@ -1903,7 +1913,7 @@
             <a:fld id="{B61BEF0D-F0BB-DE4B-95CE-6DB70DBA9567}" type="datetimeFigureOut">
               <a:rPr lang="en-US" dirty="0"/>
               <a:pPr/>
-              <a:t>11/2/2018</a:t>
+              <a:t>11/6/2018</a:t>
             </a:fld>
             <a:endParaRPr lang="en-US" dirty="0"/>
           </a:p>
@@ -2073,7 +2083,7 @@
           <a:p>
             <a:pPr marL="0" lvl="0"/>
             <a:r>
-              <a:rPr lang="en-US" smtClean="0"/>
+              <a:rPr lang="en-US"/>
               <a:t>Click to edit Master title style</a:t>
             </a:r>
             <a:endParaRPr lang="en-US" dirty="0"/>
@@ -2122,7 +2132,7 @@
               <a:buNone/>
             </a:pPr>
             <a:r>
-              <a:rPr lang="en-US" smtClean="0"/>
+              <a:rPr lang="en-US"/>
               <a:t>Edit Master text styles</a:t>
             </a:r>
           </a:p>
@@ -2243,7 +2253,7 @@
           <a:p>
             <a:pPr lvl="0"/>
             <a:r>
-              <a:rPr lang="en-US" smtClean="0"/>
+              <a:rPr lang="en-US"/>
               <a:t>Edit Master text styles</a:t>
             </a:r>
           </a:p>
@@ -2267,7 +2277,7 @@
             <a:fld id="{B61BEF0D-F0BB-DE4B-95CE-6DB70DBA9567}" type="datetimeFigureOut">
               <a:rPr lang="en-US" dirty="0"/>
               <a:pPr/>
-              <a:t>11/2/2018</a:t>
+              <a:t>11/6/2018</a:t>
             </a:fld>
             <a:endParaRPr lang="en-US" dirty="0"/>
           </a:p>
@@ -2361,7 +2371,7 @@
           </a:lstStyle>
           <a:p>
             <a:r>
-              <a:rPr lang="en-US" smtClean="0"/>
+              <a:rPr lang="en-US"/>
               <a:t>Click to edit Master title style</a:t>
             </a:r>
             <a:endParaRPr lang="en-US" dirty="0"/>
@@ -2385,35 +2395,35 @@
           <a:p>
             <a:pPr lvl="0"/>
             <a:r>
-              <a:rPr lang="en-US" smtClean="0"/>
+              <a:rPr lang="en-US"/>
               <a:t>Edit Master text styles</a:t>
             </a:r>
           </a:p>
           <a:p>
             <a:pPr lvl="1"/>
             <a:r>
-              <a:rPr lang="en-US" smtClean="0"/>
+              <a:rPr lang="en-US"/>
               <a:t>Second level</a:t>
             </a:r>
           </a:p>
           <a:p>
             <a:pPr lvl="2"/>
             <a:r>
-              <a:rPr lang="en-US" smtClean="0"/>
+              <a:rPr lang="en-US"/>
               <a:t>Third level</a:t>
             </a:r>
           </a:p>
           <a:p>
             <a:pPr lvl="3"/>
             <a:r>
-              <a:rPr lang="en-US" smtClean="0"/>
+              <a:rPr lang="en-US"/>
               <a:t>Fourth level</a:t>
             </a:r>
           </a:p>
           <a:p>
             <a:pPr lvl="4"/>
             <a:r>
-              <a:rPr lang="en-US" smtClean="0"/>
+              <a:rPr lang="en-US"/>
               <a:t>Fifth level</a:t>
             </a:r>
             <a:endParaRPr lang="en-US" dirty="0"/>
@@ -2438,7 +2448,7 @@
             <a:fld id="{B61BEF0D-F0BB-DE4B-95CE-6DB70DBA9567}" type="datetimeFigureOut">
               <a:rPr lang="en-US" dirty="0"/>
               <a:pPr/>
-              <a:t>11/2/2018</a:t>
+              <a:t>11/6/2018</a:t>
             </a:fld>
             <a:endParaRPr lang="en-US" dirty="0"/>
           </a:p>
@@ -2533,7 +2543,7 @@
           <a:lstStyle/>
           <a:p>
             <a:r>
-              <a:rPr lang="en-US" smtClean="0"/>
+              <a:rPr lang="en-US"/>
               <a:t>Click to edit Master title style</a:t>
             </a:r>
             <a:endParaRPr lang="en-US" dirty="0"/>
@@ -2562,35 +2572,35 @@
           <a:p>
             <a:pPr lvl="0"/>
             <a:r>
-              <a:rPr lang="en-US" smtClean="0"/>
+              <a:rPr lang="en-US"/>
               <a:t>Edit Master text styles</a:t>
             </a:r>
           </a:p>
           <a:p>
             <a:pPr lvl="1"/>
             <a:r>
-              <a:rPr lang="en-US" smtClean="0"/>
+              <a:rPr lang="en-US"/>
               <a:t>Second level</a:t>
             </a:r>
           </a:p>
           <a:p>
             <a:pPr lvl="2"/>
             <a:r>
-              <a:rPr lang="en-US" smtClean="0"/>
+              <a:rPr lang="en-US"/>
               <a:t>Third level</a:t>
             </a:r>
           </a:p>
           <a:p>
             <a:pPr lvl="3"/>
             <a:r>
-              <a:rPr lang="en-US" smtClean="0"/>
+              <a:rPr lang="en-US"/>
               <a:t>Fourth level</a:t>
             </a:r>
           </a:p>
           <a:p>
             <a:pPr lvl="4"/>
             <a:r>
-              <a:rPr lang="en-US" smtClean="0"/>
+              <a:rPr lang="en-US"/>
               <a:t>Fifth level</a:t>
             </a:r>
             <a:endParaRPr lang="en-US" dirty="0"/>
@@ -2615,7 +2625,7 @@
             <a:fld id="{B61BEF0D-F0BB-DE4B-95CE-6DB70DBA9567}" type="datetimeFigureOut">
               <a:rPr lang="en-US" dirty="0"/>
               <a:pPr/>
-              <a:t>11/2/2018</a:t>
+              <a:t>11/6/2018</a:t>
             </a:fld>
             <a:endParaRPr lang="en-US" dirty="0"/>
           </a:p>
@@ -2705,7 +2715,7 @@
           <a:lstStyle/>
           <a:p>
             <a:r>
-              <a:rPr lang="en-US" smtClean="0"/>
+              <a:rPr lang="en-US"/>
               <a:t>Click to edit Master title style</a:t>
             </a:r>
             <a:endParaRPr lang="en-US" dirty="0"/>
@@ -2729,35 +2739,35 @@
           <a:p>
             <a:pPr lvl="0"/>
             <a:r>
-              <a:rPr lang="en-US" smtClean="0"/>
+              <a:rPr lang="en-US"/>
               <a:t>Edit Master text styles</a:t>
             </a:r>
           </a:p>
           <a:p>
             <a:pPr lvl="1"/>
             <a:r>
-              <a:rPr lang="en-US" smtClean="0"/>
+              <a:rPr lang="en-US"/>
               <a:t>Second level</a:t>
             </a:r>
           </a:p>
           <a:p>
             <a:pPr lvl="2"/>
             <a:r>
-              <a:rPr lang="en-US" smtClean="0"/>
+              <a:rPr lang="en-US"/>
               <a:t>Third level</a:t>
             </a:r>
           </a:p>
           <a:p>
             <a:pPr lvl="3"/>
             <a:r>
-              <a:rPr lang="en-US" smtClean="0"/>
+              <a:rPr lang="en-US"/>
               <a:t>Fourth level</a:t>
             </a:r>
           </a:p>
           <a:p>
             <a:pPr lvl="4"/>
             <a:r>
-              <a:rPr lang="en-US" smtClean="0"/>
+              <a:rPr lang="en-US"/>
               <a:t>Fifth level</a:t>
             </a:r>
             <a:endParaRPr lang="en-US" dirty="0"/>
@@ -2782,7 +2792,7 @@
             <a:fld id="{B61BEF0D-F0BB-DE4B-95CE-6DB70DBA9567}" type="datetimeFigureOut">
               <a:rPr lang="en-US" dirty="0"/>
               <a:pPr/>
-              <a:t>11/2/2018</a:t>
+              <a:t>11/6/2018</a:t>
             </a:fld>
             <a:endParaRPr lang="en-US" dirty="0"/>
           </a:p>
@@ -2883,7 +2893,7 @@
           </a:lstStyle>
           <a:p>
             <a:r>
-              <a:rPr lang="en-US" smtClean="0"/>
+              <a:rPr lang="en-US"/>
               <a:t>Click to edit Master title style</a:t>
             </a:r>
             <a:endParaRPr lang="en-US" dirty="0"/>
@@ -3005,7 +3015,7 @@
           <a:p>
             <a:pPr lvl="0"/>
             <a:r>
-              <a:rPr lang="en-US" smtClean="0"/>
+              <a:rPr lang="en-US"/>
               <a:t>Edit Master text styles</a:t>
             </a:r>
           </a:p>
@@ -3029,7 +3039,7 @@
             <a:fld id="{B61BEF0D-F0BB-DE4B-95CE-6DB70DBA9567}" type="datetimeFigureOut">
               <a:rPr lang="en-US" dirty="0"/>
               <a:pPr/>
-              <a:t>11/2/2018</a:t>
+              <a:t>11/6/2018</a:t>
             </a:fld>
             <a:endParaRPr lang="en-US" dirty="0"/>
           </a:p>
@@ -3119,7 +3129,7 @@
           <a:lstStyle/>
           <a:p>
             <a:r>
-              <a:rPr lang="en-US" smtClean="0"/>
+              <a:rPr lang="en-US"/>
               <a:t>Click to edit Master title style</a:t>
             </a:r>
             <a:endParaRPr lang="en-US" dirty="0"/>
@@ -3150,35 +3160,35 @@
           <a:p>
             <a:pPr lvl="0"/>
             <a:r>
-              <a:rPr lang="en-US" smtClean="0"/>
+              <a:rPr lang="en-US"/>
               <a:t>Edit Master text styles</a:t>
             </a:r>
           </a:p>
           <a:p>
             <a:pPr lvl="1"/>
             <a:r>
-              <a:rPr lang="en-US" smtClean="0"/>
+              <a:rPr lang="en-US"/>
               <a:t>Second level</a:t>
             </a:r>
           </a:p>
           <a:p>
             <a:pPr lvl="2"/>
             <a:r>
-              <a:rPr lang="en-US" smtClean="0"/>
+              <a:rPr lang="en-US"/>
               <a:t>Third level</a:t>
             </a:r>
           </a:p>
           <a:p>
             <a:pPr lvl="3"/>
             <a:r>
-              <a:rPr lang="en-US" smtClean="0"/>
+              <a:rPr lang="en-US"/>
               <a:t>Fourth level</a:t>
             </a:r>
           </a:p>
           <a:p>
             <a:pPr lvl="4"/>
             <a:r>
-              <a:rPr lang="en-US" smtClean="0"/>
+              <a:rPr lang="en-US"/>
               <a:t>Fifth level</a:t>
             </a:r>
             <a:endParaRPr lang="en-US" dirty="0"/>
@@ -3209,35 +3219,35 @@
           <a:p>
             <a:pPr lvl="0"/>
             <a:r>
-              <a:rPr lang="en-US" smtClean="0"/>
+              <a:rPr lang="en-US"/>
               <a:t>Edit Master text styles</a:t>
             </a:r>
           </a:p>
           <a:p>
             <a:pPr lvl="1"/>
             <a:r>
-              <a:rPr lang="en-US" smtClean="0"/>
+              <a:rPr lang="en-US"/>
               <a:t>Second level</a:t>
             </a:r>
           </a:p>
           <a:p>
             <a:pPr lvl="2"/>
             <a:r>
-              <a:rPr lang="en-US" smtClean="0"/>
+              <a:rPr lang="en-US"/>
               <a:t>Third level</a:t>
             </a:r>
           </a:p>
           <a:p>
             <a:pPr lvl="3"/>
             <a:r>
-              <a:rPr lang="en-US" smtClean="0"/>
+              <a:rPr lang="en-US"/>
               <a:t>Fourth level</a:t>
             </a:r>
           </a:p>
           <a:p>
             <a:pPr lvl="4"/>
             <a:r>
-              <a:rPr lang="en-US" smtClean="0"/>
+              <a:rPr lang="en-US"/>
               <a:t>Fifth level</a:t>
             </a:r>
             <a:endParaRPr lang="en-US" dirty="0"/>
@@ -3262,7 +3272,7 @@
             <a:fld id="{B61BEF0D-F0BB-DE4B-95CE-6DB70DBA9567}" type="datetimeFigureOut">
               <a:rPr lang="en-US" dirty="0"/>
               <a:pPr/>
-              <a:t>11/2/2018</a:t>
+              <a:t>11/6/2018</a:t>
             </a:fld>
             <a:endParaRPr lang="en-US" dirty="0"/>
           </a:p>
@@ -3356,7 +3366,7 @@
           </a:lstStyle>
           <a:p>
             <a:r>
-              <a:rPr lang="en-US" smtClean="0"/>
+              <a:rPr lang="en-US"/>
               <a:t>Click to edit Master title style</a:t>
             </a:r>
             <a:endParaRPr lang="en-US" dirty="0"/>
@@ -3428,7 +3438,7 @@
           <a:p>
             <a:pPr lvl="0"/>
             <a:r>
-              <a:rPr lang="en-US" smtClean="0"/>
+              <a:rPr lang="en-US"/>
               <a:t>Edit Master text styles</a:t>
             </a:r>
           </a:p>
@@ -3458,35 +3468,35 @@
           <a:p>
             <a:pPr lvl="0"/>
             <a:r>
-              <a:rPr lang="en-US" smtClean="0"/>
+              <a:rPr lang="en-US"/>
               <a:t>Edit Master text styles</a:t>
             </a:r>
           </a:p>
           <a:p>
             <a:pPr lvl="1"/>
             <a:r>
-              <a:rPr lang="en-US" smtClean="0"/>
+              <a:rPr lang="en-US"/>
               <a:t>Second level</a:t>
             </a:r>
           </a:p>
           <a:p>
             <a:pPr lvl="2"/>
             <a:r>
-              <a:rPr lang="en-US" smtClean="0"/>
+              <a:rPr lang="en-US"/>
               <a:t>Third level</a:t>
             </a:r>
           </a:p>
           <a:p>
             <a:pPr lvl="3"/>
             <a:r>
-              <a:rPr lang="en-US" smtClean="0"/>
+              <a:rPr lang="en-US"/>
               <a:t>Fourth level</a:t>
             </a:r>
           </a:p>
           <a:p>
             <a:pPr lvl="4"/>
             <a:r>
-              <a:rPr lang="en-US" smtClean="0"/>
+              <a:rPr lang="en-US"/>
               <a:t>Fifth level</a:t>
             </a:r>
             <a:endParaRPr lang="en-US" dirty="0"/>
@@ -3558,7 +3568,7 @@
           <a:p>
             <a:pPr lvl="0"/>
             <a:r>
-              <a:rPr lang="en-US" smtClean="0"/>
+              <a:rPr lang="en-US"/>
               <a:t>Edit Master text styles</a:t>
             </a:r>
           </a:p>
@@ -3588,35 +3598,35 @@
           <a:p>
             <a:pPr lvl="0"/>
             <a:r>
-              <a:rPr lang="en-US" smtClean="0"/>
+              <a:rPr lang="en-US"/>
               <a:t>Edit Master text styles</a:t>
             </a:r>
           </a:p>
           <a:p>
             <a:pPr lvl="1"/>
             <a:r>
-              <a:rPr lang="en-US" smtClean="0"/>
+              <a:rPr lang="en-US"/>
               <a:t>Second level</a:t>
             </a:r>
           </a:p>
           <a:p>
             <a:pPr lvl="2"/>
             <a:r>
-              <a:rPr lang="en-US" smtClean="0"/>
+              <a:rPr lang="en-US"/>
               <a:t>Third level</a:t>
             </a:r>
           </a:p>
           <a:p>
             <a:pPr lvl="3"/>
             <a:r>
-              <a:rPr lang="en-US" smtClean="0"/>
+              <a:rPr lang="en-US"/>
               <a:t>Fourth level</a:t>
             </a:r>
           </a:p>
           <a:p>
             <a:pPr lvl="4"/>
             <a:r>
-              <a:rPr lang="en-US" smtClean="0"/>
+              <a:rPr lang="en-US"/>
               <a:t>Fifth level</a:t>
             </a:r>
             <a:endParaRPr lang="en-US" dirty="0"/>
@@ -3641,7 +3651,7 @@
             <a:fld id="{B61BEF0D-F0BB-DE4B-95CE-6DB70DBA9567}" type="datetimeFigureOut">
               <a:rPr lang="en-US" dirty="0"/>
               <a:pPr/>
-              <a:t>11/2/2018</a:t>
+              <a:t>11/6/2018</a:t>
             </a:fld>
             <a:endParaRPr lang="en-US" dirty="0"/>
           </a:p>
@@ -3731,7 +3741,7 @@
           <a:lstStyle/>
           <a:p>
             <a:r>
-              <a:rPr lang="en-US" smtClean="0"/>
+              <a:rPr lang="en-US"/>
               <a:t>Click to edit Master title style</a:t>
             </a:r>
             <a:endParaRPr lang="en-US" dirty="0"/>
@@ -3756,7 +3766,7 @@
             <a:fld id="{B61BEF0D-F0BB-DE4B-95CE-6DB70DBA9567}" type="datetimeFigureOut">
               <a:rPr lang="en-US" dirty="0"/>
               <a:pPr/>
-              <a:t>11/2/2018</a:t>
+              <a:t>11/6/2018</a:t>
             </a:fld>
             <a:endParaRPr lang="en-US" dirty="0"/>
           </a:p>
@@ -3848,7 +3858,7 @@
             <a:fld id="{B61BEF0D-F0BB-DE4B-95CE-6DB70DBA9567}" type="datetimeFigureOut">
               <a:rPr lang="en-US" dirty="0"/>
               <a:pPr/>
-              <a:t>11/2/2018</a:t>
+              <a:t>11/6/2018</a:t>
             </a:fld>
             <a:endParaRPr lang="en-US" dirty="0"/>
           </a:p>
@@ -3949,7 +3959,7 @@
           </a:lstStyle>
           <a:p>
             <a:r>
-              <a:rPr lang="en-US" smtClean="0"/>
+              <a:rPr lang="en-US"/>
               <a:t>Click to edit Master title style</a:t>
             </a:r>
             <a:endParaRPr lang="en-US" dirty="0"/>
@@ -3980,35 +3990,35 @@
           <a:p>
             <a:pPr lvl="0"/>
             <a:r>
-              <a:rPr lang="en-US" smtClean="0"/>
+              <a:rPr lang="en-US"/>
               <a:t>Edit Master text styles</a:t>
             </a:r>
           </a:p>
           <a:p>
             <a:pPr lvl="1"/>
             <a:r>
-              <a:rPr lang="en-US" smtClean="0"/>
+              <a:rPr lang="en-US"/>
               <a:t>Second level</a:t>
             </a:r>
           </a:p>
           <a:p>
             <a:pPr lvl="2"/>
             <a:r>
-              <a:rPr lang="en-US" smtClean="0"/>
+              <a:rPr lang="en-US"/>
               <a:t>Third level</a:t>
             </a:r>
           </a:p>
           <a:p>
             <a:pPr lvl="3"/>
             <a:r>
-              <a:rPr lang="en-US" smtClean="0"/>
+              <a:rPr lang="en-US"/>
               <a:t>Fourth level</a:t>
             </a:r>
           </a:p>
           <a:p>
             <a:pPr lvl="4"/>
             <a:r>
-              <a:rPr lang="en-US" smtClean="0"/>
+              <a:rPr lang="en-US"/>
               <a:t>Fifth level</a:t>
             </a:r>
             <a:endParaRPr lang="en-US" dirty="0"/>
@@ -4076,7 +4086,7 @@
           <a:p>
             <a:pPr lvl="0"/>
             <a:r>
-              <a:rPr lang="en-US" smtClean="0"/>
+              <a:rPr lang="en-US"/>
               <a:t>Edit Master text styles</a:t>
             </a:r>
           </a:p>
@@ -4100,7 +4110,7 @@
             <a:fld id="{B61BEF0D-F0BB-DE4B-95CE-6DB70DBA9567}" type="datetimeFigureOut">
               <a:rPr lang="en-US" dirty="0"/>
               <a:pPr/>
-              <a:t>11/2/2018</a:t>
+              <a:t>11/6/2018</a:t>
             </a:fld>
             <a:endParaRPr lang="en-US" dirty="0"/>
           </a:p>
@@ -4201,7 +4211,7 @@
           </a:lstStyle>
           <a:p>
             <a:r>
-              <a:rPr lang="en-US" smtClean="0"/>
+              <a:rPr lang="en-US"/>
               <a:t>Click to edit Master title style</a:t>
             </a:r>
             <a:endParaRPr lang="en-US" dirty="0"/>
@@ -4288,7 +4298,7 @@
           </a:lstStyle>
           <a:p>
             <a:r>
-              <a:rPr lang="en-US" smtClean="0"/>
+              <a:rPr lang="en-US"/>
               <a:t>Click icon to add picture</a:t>
             </a:r>
             <a:endParaRPr lang="en-US" dirty="0"/>
@@ -4356,7 +4366,7 @@
           <a:p>
             <a:pPr lvl="0"/>
             <a:r>
-              <a:rPr lang="en-US" smtClean="0"/>
+              <a:rPr lang="en-US"/>
               <a:t>Edit Master text styles</a:t>
             </a:r>
           </a:p>
@@ -4380,7 +4390,7 @@
             <a:fld id="{B61BEF0D-F0BB-DE4B-95CE-6DB70DBA9567}" type="datetimeFigureOut">
               <a:rPr lang="en-US" dirty="0"/>
               <a:pPr/>
-              <a:t>11/2/2018</a:t>
+              <a:t>11/6/2018</a:t>
             </a:fld>
             <a:endParaRPr lang="en-US" dirty="0"/>
           </a:p>
@@ -4676,7 +4686,7 @@
           <a:lstStyle/>
           <a:p>
             <a:r>
-              <a:rPr lang="en-US" smtClean="0"/>
+              <a:rPr lang="en-US"/>
               <a:t>Click to edit Master title style</a:t>
             </a:r>
             <a:endParaRPr lang="en-US" dirty="0"/>
@@ -4710,35 +4720,35 @@
           <a:p>
             <a:pPr lvl="0"/>
             <a:r>
-              <a:rPr lang="en-US" smtClean="0"/>
+              <a:rPr lang="en-US"/>
               <a:t>Edit Master text styles</a:t>
             </a:r>
           </a:p>
           <a:p>
             <a:pPr lvl="1"/>
             <a:r>
-              <a:rPr lang="en-US" smtClean="0"/>
+              <a:rPr lang="en-US"/>
               <a:t>Second level</a:t>
             </a:r>
           </a:p>
           <a:p>
             <a:pPr lvl="2"/>
             <a:r>
-              <a:rPr lang="en-US" smtClean="0"/>
+              <a:rPr lang="en-US"/>
               <a:t>Third level</a:t>
             </a:r>
           </a:p>
           <a:p>
             <a:pPr lvl="3"/>
             <a:r>
-              <a:rPr lang="en-US" smtClean="0"/>
+              <a:rPr lang="en-US"/>
               <a:t>Fourth level</a:t>
             </a:r>
           </a:p>
           <a:p>
             <a:pPr lvl="4"/>
             <a:r>
-              <a:rPr lang="en-US" smtClean="0"/>
+              <a:rPr lang="en-US"/>
               <a:t>Fifth level</a:t>
             </a:r>
             <a:endParaRPr lang="en-US" dirty="0"/>
@@ -4783,7 +4793,7 @@
             <a:fld id="{B61BEF0D-F0BB-DE4B-95CE-6DB70DBA9567}" type="datetimeFigureOut">
               <a:rPr lang="en-US" dirty="0"/>
               <a:pPr/>
-              <a:t>11/2/2018</a:t>
+              <a:t>11/6/2018</a:t>
             </a:fld>
             <a:endParaRPr lang="en-US" dirty="0"/>
           </a:p>
@@ -5324,70 +5334,114 @@
             <p:ph type="ctrTitle"/>
           </p:nvPr>
         </p:nvSpPr>
+        <p:spPr>
+          <a:xfrm>
+            <a:off x="684212" y="314866"/>
+            <a:ext cx="8001000" cy="2971801"/>
+          </a:xfrm>
+        </p:spPr>
+        <p:txBody>
+          <a:bodyPr/>
+          <a:lstStyle/>
+          <a:p>
+            <a:r>
+              <a:rPr lang="en-US" dirty="0"/>
+              <a:t>Parallelizing </a:t>
+            </a:r>
+            <a:r>
+              <a:rPr lang="en-US" dirty="0" err="1"/>
+              <a:t>Dijkstra’s</a:t>
+            </a:r>
+            <a:r>
+              <a:rPr lang="en-US" dirty="0"/>
+              <a:t> Algorithm</a:t>
+            </a:r>
+          </a:p>
+        </p:txBody>
+      </p:sp>
+      <p:sp>
+        <p:nvSpPr>
+          <p:cNvPr id="3" name="Subtitle 2"/>
+          <p:cNvSpPr>
+            <a:spLocks noGrp="1"/>
+          </p:cNvSpPr>
+          <p:nvPr>
+            <p:ph type="subTitle" idx="1"/>
+          </p:nvPr>
+        </p:nvSpPr>
         <p:spPr/>
         <p:txBody>
           <a:bodyPr/>
           <a:lstStyle/>
           <a:p>
             <a:r>
-              <a:rPr lang="en-US" dirty="0" smtClean="0"/>
-              <a:t>Parallelizing </a:t>
-            </a:r>
-            <a:r>
-              <a:rPr lang="en-US" dirty="0" err="1" smtClean="0"/>
-              <a:t>Dijkstra’s</a:t>
-            </a:r>
-            <a:r>
-              <a:rPr lang="en-US" dirty="0" smtClean="0"/>
-              <a:t> Algorithm</a:t>
-            </a:r>
-            <a:endParaRPr lang="en-US" dirty="0"/>
-          </a:p>
-        </p:txBody>
-      </p:sp>
-      <p:sp>
-        <p:nvSpPr>
-          <p:cNvPr id="3" name="Subtitle 2"/>
-          <p:cNvSpPr>
-            <a:spLocks noGrp="1"/>
-          </p:cNvSpPr>
-          <p:nvPr>
-            <p:ph type="subTitle" idx="1"/>
-          </p:nvPr>
-        </p:nvSpPr>
-        <p:spPr/>
-        <p:txBody>
-          <a:bodyPr/>
-          <a:lstStyle/>
-          <a:p>
-            <a:r>
-              <a:rPr lang="en-US" dirty="0" smtClean="0"/>
+              <a:rPr lang="en-US" dirty="0"/>
               <a:t>Cain </a:t>
             </a:r>
             <a:r>
-              <a:rPr lang="en-US" dirty="0" err="1" smtClean="0"/>
+              <a:rPr lang="en-US" dirty="0" err="1"/>
               <a:t>Wock</a:t>
             </a:r>
-            <a:endParaRPr lang="en-US" dirty="0" smtClean="0"/>
-          </a:p>
-          <a:p>
-            <a:r>
-              <a:rPr lang="en-US" dirty="0" smtClean="0"/>
+            <a:endParaRPr lang="en-US" dirty="0"/>
+          </a:p>
+          <a:p>
+            <a:r>
+              <a:rPr lang="en-US" dirty="0"/>
               <a:t>Matthew Hill</a:t>
             </a:r>
           </a:p>
           <a:p>
             <a:r>
-              <a:rPr lang="en-US" dirty="0" smtClean="0"/>
+              <a:rPr lang="en-US" dirty="0"/>
               <a:t>Cody Ponder</a:t>
             </a:r>
           </a:p>
           <a:p>
             <a:r>
-              <a:rPr lang="en-US" dirty="0" smtClean="0"/>
+              <a:rPr lang="en-US" dirty="0"/>
               <a:t>Deidre Brennan</a:t>
             </a:r>
-            <a:endParaRPr lang="en-US" dirty="0"/>
+          </a:p>
+        </p:txBody>
+      </p:sp>
+      <p:sp>
+        <p:nvSpPr>
+          <p:cNvPr id="4" name="TextBox 3">
+            <a:extLst>
+              <a:ext uri="{FF2B5EF4-FFF2-40B4-BE49-F238E27FC236}">
+                <a16:creationId xmlns:a16="http://schemas.microsoft.com/office/drawing/2014/main" id="{A762D218-6EA8-49C9-A96D-6F17056A5CC7}"/>
+              </a:ext>
+            </a:extLst>
+          </p:cNvPr>
+          <p:cNvSpPr txBox="1"/>
+          <p:nvPr/>
+        </p:nvSpPr>
+        <p:spPr>
+          <a:xfrm>
+            <a:off x="684212" y="314866"/>
+            <a:ext cx="8942388" cy="646331"/>
+          </a:xfrm>
+          <a:prstGeom prst="rect">
+            <a:avLst/>
+          </a:prstGeom>
+          <a:noFill/>
+        </p:spPr>
+        <p:txBody>
+          <a:bodyPr wrap="square" rtlCol="0">
+            <a:spAutoFit/>
+          </a:bodyPr>
+          <a:lstStyle/>
+          <a:p>
+            <a:r>
+              <a:rPr lang="en-US" dirty="0"/>
+              <a:t>IT388 Introduction to Parallel Processing Resources</a:t>
+            </a:r>
+          </a:p>
+          <a:p>
+            <a:r>
+              <a:rPr lang="en-US" dirty="0"/>
+              <a:t>Fall 2018</a:t>
+            </a:r>
           </a:p>
         </p:txBody>
       </p:sp>
@@ -5395,6 +5449,337 @@
     <p:extLst>
       <p:ext uri="{BB962C8B-B14F-4D97-AF65-F5344CB8AC3E}">
         <p14:creationId xmlns:p14="http://schemas.microsoft.com/office/powerpoint/2010/main" val="3829441481"/>
+      </p:ext>
+    </p:extLst>
+  </p:cSld>
+  <p:clrMapOvr>
+    <a:masterClrMapping/>
+  </p:clrMapOvr>
+</p:sld>
+</file>
+
+<file path=ppt/slides/slide10.xml><?xml version="1.0" encoding="utf-8"?>
+<p:sld xmlns:a="http://schemas.openxmlformats.org/drawingml/2006/main" xmlns:r="http://schemas.openxmlformats.org/officeDocument/2006/relationships" xmlns:p="http://schemas.openxmlformats.org/presentationml/2006/main">
+  <p:cSld>
+    <p:spTree>
+      <p:nvGrpSpPr>
+        <p:cNvPr id="1" name=""/>
+        <p:cNvGrpSpPr/>
+        <p:nvPr/>
+      </p:nvGrpSpPr>
+      <p:grpSpPr>
+        <a:xfrm>
+          <a:off x="0" y="0"/>
+          <a:ext cx="0" cy="0"/>
+          <a:chOff x="0" y="0"/>
+          <a:chExt cx="0" cy="0"/>
+        </a:xfrm>
+      </p:grpSpPr>
+      <p:pic>
+        <p:nvPicPr>
+          <p:cNvPr id="4" name="Content Placeholder 3">
+            <a:extLst>
+              <a:ext uri="{FF2B5EF4-FFF2-40B4-BE49-F238E27FC236}">
+                <a16:creationId xmlns:a16="http://schemas.microsoft.com/office/drawing/2014/main" id="{CE390C5B-81A4-4079-8739-6959438207C2}"/>
+              </a:ext>
+            </a:extLst>
+          </p:cNvPr>
+          <p:cNvPicPr>
+            <a:picLocks noGrp="1" noChangeAspect="1"/>
+          </p:cNvPicPr>
+          <p:nvPr>
+            <p:ph idx="1"/>
+          </p:nvPr>
+        </p:nvPicPr>
+        <p:blipFill>
+          <a:blip r:embed="rId2"/>
+          <a:stretch>
+            <a:fillRect/>
+          </a:stretch>
+        </p:blipFill>
+        <p:spPr>
+          <a:xfrm>
+            <a:off x="684212" y="271998"/>
+            <a:ext cx="9905568" cy="2678546"/>
+          </a:xfrm>
+          <a:prstGeom prst="rect">
+            <a:avLst/>
+          </a:prstGeom>
+        </p:spPr>
+      </p:pic>
+      <p:sp>
+        <p:nvSpPr>
+          <p:cNvPr id="5" name="TextBox 4">
+            <a:extLst>
+              <a:ext uri="{FF2B5EF4-FFF2-40B4-BE49-F238E27FC236}">
+                <a16:creationId xmlns:a16="http://schemas.microsoft.com/office/drawing/2014/main" id="{548515C4-CF4F-4EB5-9303-0DA8B3B4E9F1}"/>
+              </a:ext>
+            </a:extLst>
+          </p:cNvPr>
+          <p:cNvSpPr txBox="1"/>
+          <p:nvPr/>
+        </p:nvSpPr>
+        <p:spPr>
+          <a:xfrm>
+            <a:off x="433754" y="527538"/>
+            <a:ext cx="10644554" cy="738554"/>
+          </a:xfrm>
+          <a:prstGeom prst="rect">
+            <a:avLst/>
+          </a:prstGeom>
+          <a:noFill/>
+          <a:ln>
+            <a:solidFill>
+              <a:srgbClr val="C00000"/>
+            </a:solidFill>
+          </a:ln>
+        </p:spPr>
+        <p:txBody>
+          <a:bodyPr wrap="square" rtlCol="0">
+            <a:spAutoFit/>
+          </a:bodyPr>
+          <a:lstStyle/>
+          <a:p>
+            <a:endParaRPr lang="en-US" dirty="0"/>
+          </a:p>
+        </p:txBody>
+      </p:sp>
+      <p:cxnSp>
+        <p:nvCxnSpPr>
+          <p:cNvPr id="6" name="Straight Arrow Connector 5">
+            <a:extLst>
+              <a:ext uri="{FF2B5EF4-FFF2-40B4-BE49-F238E27FC236}">
+                <a16:creationId xmlns:a16="http://schemas.microsoft.com/office/drawing/2014/main" id="{965C451D-7493-436F-9D09-583076D8366E}"/>
+              </a:ext>
+            </a:extLst>
+          </p:cNvPr>
+          <p:cNvCxnSpPr>
+            <a:cxnSpLocks/>
+          </p:cNvCxnSpPr>
+          <p:nvPr/>
+        </p:nvCxnSpPr>
+        <p:spPr>
+          <a:xfrm flipH="1">
+            <a:off x="7591647" y="1266092"/>
+            <a:ext cx="176914" cy="2880606"/>
+          </a:xfrm>
+          <a:prstGeom prst="straightConnector1">
+            <a:avLst/>
+          </a:prstGeom>
+          <a:ln w="57150">
+            <a:solidFill>
+              <a:schemeClr val="accent6">
+                <a:alpha val="60000"/>
+              </a:schemeClr>
+            </a:solidFill>
+            <a:tailEnd type="triangle"/>
+          </a:ln>
+        </p:spPr>
+        <p:style>
+          <a:lnRef idx="1">
+            <a:schemeClr val="accent1"/>
+          </a:lnRef>
+          <a:fillRef idx="0">
+            <a:schemeClr val="accent1"/>
+          </a:fillRef>
+          <a:effectRef idx="0">
+            <a:schemeClr val="accent1"/>
+          </a:effectRef>
+          <a:fontRef idx="minor">
+            <a:schemeClr val="tx1"/>
+          </a:fontRef>
+        </p:style>
+      </p:cxnSp>
+      <p:sp>
+        <p:nvSpPr>
+          <p:cNvPr id="8" name="Rectangle 7">
+            <a:extLst>
+              <a:ext uri="{FF2B5EF4-FFF2-40B4-BE49-F238E27FC236}">
+                <a16:creationId xmlns:a16="http://schemas.microsoft.com/office/drawing/2014/main" id="{8D2568DF-C29D-4199-9288-D5AEDE0B7C62}"/>
+              </a:ext>
+            </a:extLst>
+          </p:cNvPr>
+          <p:cNvSpPr/>
+          <p:nvPr/>
+        </p:nvSpPr>
+        <p:spPr>
+          <a:xfrm>
+            <a:off x="175949" y="4146698"/>
+            <a:ext cx="11840101" cy="1754326"/>
+          </a:xfrm>
+          <a:prstGeom prst="rect">
+            <a:avLst/>
+          </a:prstGeom>
+          <a:noFill/>
+        </p:spPr>
+        <p:txBody>
+          <a:bodyPr wrap="none" lIns="91440" tIns="45720" rIns="91440" bIns="45720">
+            <a:spAutoFit/>
+          </a:bodyPr>
+          <a:lstStyle/>
+          <a:p>
+            <a:pPr algn="ctr"/>
+            <a:r>
+              <a:rPr lang="en-US" sz="5400" b="1" dirty="0">
+                <a:ln w="22225">
+                  <a:solidFill>
+                    <a:schemeClr val="accent2"/>
+                  </a:solidFill>
+                  <a:prstDash val="solid"/>
+                </a:ln>
+                <a:solidFill>
+                  <a:schemeClr val="accent2">
+                    <a:lumMod val="40000"/>
+                    <a:lumOff val="60000"/>
+                  </a:schemeClr>
+                </a:solidFill>
+              </a:rPr>
+              <a:t>These files take the input and solve</a:t>
+            </a:r>
+          </a:p>
+          <a:p>
+            <a:pPr algn="ctr"/>
+            <a:r>
+              <a:rPr lang="en-US" sz="5400" b="1" cap="none" spc="0" dirty="0">
+                <a:ln w="22225">
+                  <a:solidFill>
+                    <a:schemeClr val="accent2"/>
+                  </a:solidFill>
+                  <a:prstDash val="solid"/>
+                </a:ln>
+                <a:solidFill>
+                  <a:schemeClr val="accent2">
+                    <a:lumMod val="40000"/>
+                    <a:lumOff val="60000"/>
+                  </a:schemeClr>
+                </a:solidFill>
+                <a:effectLst/>
+              </a:rPr>
+              <a:t>Using serial and parallel methods</a:t>
+            </a:r>
+          </a:p>
+        </p:txBody>
+      </p:sp>
+    </p:spTree>
+    <p:extLst>
+      <p:ext uri="{BB962C8B-B14F-4D97-AF65-F5344CB8AC3E}">
+        <p14:creationId xmlns:p14="http://schemas.microsoft.com/office/powerpoint/2010/main" val="339519681"/>
+      </p:ext>
+    </p:extLst>
+  </p:cSld>
+  <p:clrMapOvr>
+    <a:masterClrMapping/>
+  </p:clrMapOvr>
+</p:sld>
+</file>
+
+<file path=ppt/slides/slide11.xml><?xml version="1.0" encoding="utf-8"?>
+<p:sld xmlns:a="http://schemas.openxmlformats.org/drawingml/2006/main" xmlns:r="http://schemas.openxmlformats.org/officeDocument/2006/relationships" xmlns:p="http://schemas.openxmlformats.org/presentationml/2006/main">
+  <p:cSld>
+    <p:spTree>
+      <p:nvGrpSpPr>
+        <p:cNvPr id="1" name=""/>
+        <p:cNvGrpSpPr/>
+        <p:nvPr/>
+      </p:nvGrpSpPr>
+      <p:grpSpPr>
+        <a:xfrm>
+          <a:off x="0" y="0"/>
+          <a:ext cx="0" cy="0"/>
+          <a:chOff x="0" y="0"/>
+          <a:chExt cx="0" cy="0"/>
+        </a:xfrm>
+      </p:grpSpPr>
+      <p:sp>
+        <p:nvSpPr>
+          <p:cNvPr id="2" name="Title 1">
+            <a:extLst>
+              <a:ext uri="{FF2B5EF4-FFF2-40B4-BE49-F238E27FC236}">
+                <a16:creationId xmlns:a16="http://schemas.microsoft.com/office/drawing/2014/main" id="{0C984F19-FE1B-4CAC-85D8-E808F13EF467}"/>
+              </a:ext>
+            </a:extLst>
+          </p:cNvPr>
+          <p:cNvSpPr>
+            <a:spLocks noGrp="1"/>
+          </p:cNvSpPr>
+          <p:nvPr>
+            <p:ph type="title"/>
+          </p:nvPr>
+        </p:nvSpPr>
+        <p:spPr>
+          <a:xfrm>
+            <a:off x="684212" y="298104"/>
+            <a:ext cx="8534400" cy="1507067"/>
+          </a:xfrm>
+        </p:spPr>
+        <p:txBody>
+          <a:bodyPr/>
+          <a:lstStyle/>
+          <a:p>
+            <a:r>
+              <a:rPr lang="en-US" dirty="0"/>
+              <a:t>Next </a:t>
+            </a:r>
+            <a:r>
+              <a:rPr lang="en-US" dirty="0" err="1"/>
+              <a:t>STeps</a:t>
+            </a:r>
+            <a:endParaRPr lang="en-US" dirty="0"/>
+          </a:p>
+        </p:txBody>
+      </p:sp>
+      <p:sp>
+        <p:nvSpPr>
+          <p:cNvPr id="3" name="Content Placeholder 2">
+            <a:extLst>
+              <a:ext uri="{FF2B5EF4-FFF2-40B4-BE49-F238E27FC236}">
+                <a16:creationId xmlns:a16="http://schemas.microsoft.com/office/drawing/2014/main" id="{DAB48B02-095F-4111-8037-D39CA9C4EF39}"/>
+              </a:ext>
+            </a:extLst>
+          </p:cNvPr>
+          <p:cNvSpPr>
+            <a:spLocks noGrp="1"/>
+          </p:cNvSpPr>
+          <p:nvPr>
+            <p:ph idx="1"/>
+          </p:nvPr>
+        </p:nvSpPr>
+        <p:spPr>
+          <a:xfrm>
+            <a:off x="684212" y="1355651"/>
+            <a:ext cx="8534400" cy="3615267"/>
+          </a:xfrm>
+        </p:spPr>
+        <p:txBody>
+          <a:bodyPr/>
+          <a:lstStyle/>
+          <a:p>
+            <a:r>
+              <a:rPr lang="en-US" dirty="0"/>
+              <a:t>We now plan to use results from both the parallel and the serial implementation of the algorithm to calculate speedup and efficiency</a:t>
+            </a:r>
+          </a:p>
+          <a:p>
+            <a:r>
+              <a:rPr lang="en-US" dirty="0"/>
+              <a:t>We want to narrow down the advantages/disadvantages of using parallelization here and define the context</a:t>
+            </a:r>
+          </a:p>
+          <a:p>
+            <a:endParaRPr lang="en-US" dirty="0"/>
+          </a:p>
+          <a:p>
+            <a:r>
+              <a:rPr lang="en-US" dirty="0"/>
+              <a:t>We will then present our findings in a productive and usable format</a:t>
+            </a:r>
+          </a:p>
+        </p:txBody>
+      </p:sp>
+    </p:spTree>
+    <p:extLst>
+      <p:ext uri="{BB962C8B-B14F-4D97-AF65-F5344CB8AC3E}">
+        <p14:creationId xmlns:p14="http://schemas.microsoft.com/office/powerpoint/2010/main" val="373454940"/>
       </p:ext>
     </p:extLst>
   </p:cSld>
@@ -5442,18 +5827,17 @@
           <a:lstStyle/>
           <a:p>
             <a:r>
-              <a:rPr lang="en-US" dirty="0" smtClean="0"/>
+              <a:rPr lang="en-US" dirty="0"/>
               <a:t>What is </a:t>
             </a:r>
             <a:r>
-              <a:rPr lang="en-US" dirty="0" err="1" smtClean="0"/>
+              <a:rPr lang="en-US" dirty="0" err="1"/>
               <a:t>dijkstra’s</a:t>
             </a:r>
             <a:r>
-              <a:rPr lang="en-US" dirty="0" smtClean="0"/>
+              <a:rPr lang="en-US" dirty="0"/>
               <a:t> Algorithm?</a:t>
             </a:r>
-            <a:endParaRPr lang="en-US" dirty="0"/>
           </a:p>
         </p:txBody>
       </p:sp>
@@ -5478,14 +5862,13 @@
           <a:lstStyle/>
           <a:p>
             <a:r>
-              <a:rPr lang="en-US" dirty="0" err="1" smtClean="0"/>
+              <a:rPr lang="en-US" dirty="0" err="1"/>
               <a:t>Dijkstras</a:t>
             </a:r>
             <a:r>
-              <a:rPr lang="en-US" dirty="0" smtClean="0"/>
+              <a:rPr lang="en-US" dirty="0"/>
               <a:t> algorithm is for finding the shortest paths between nodes in a graph</a:t>
             </a:r>
-            <a:endParaRPr lang="en-US" dirty="0"/>
           </a:p>
         </p:txBody>
       </p:sp>
@@ -5581,10 +5964,9 @@
           <a:lstStyle/>
           <a:p>
             <a:r>
-              <a:rPr lang="en-US" dirty="0" smtClean="0"/>
+              <a:rPr lang="en-US" dirty="0"/>
               <a:t>How it works</a:t>
             </a:r>
-            <a:endParaRPr lang="en-US" dirty="0"/>
           </a:p>
         </p:txBody>
       </p:sp>
@@ -5611,7 +5993,7 @@
           <a:lstStyle/>
           <a:p>
             <a:r>
-              <a:rPr lang="en-US" dirty="0" smtClean="0"/>
+              <a:rPr lang="en-US" dirty="0"/>
               <a:t>Most implementations pick a “source” node and calculate the distance to other nodes.</a:t>
             </a:r>
           </a:p>
@@ -5620,7 +6002,7 @@
           </a:p>
           <a:p>
             <a:r>
-              <a:rPr lang="en-US" dirty="0" smtClean="0"/>
+              <a:rPr lang="en-US" dirty="0"/>
               <a:t>By picking an unvisited vertex with the lowest distance, the algorithm calculates the distance through it to each unvisited neighbor and then updates the neighbors distance if it is smaller than the previous known distance.</a:t>
             </a:r>
           </a:p>
@@ -5629,10 +6011,9 @@
           </a:p>
           <a:p>
             <a:r>
-              <a:rPr lang="en-US" dirty="0" smtClean="0"/>
+              <a:rPr lang="en-US" dirty="0"/>
               <a:t>Once a node has been visited, it will be marked so it cannot be visited again.</a:t>
             </a:r>
-            <a:endParaRPr lang="en-US" dirty="0"/>
           </a:p>
         </p:txBody>
       </p:sp>
@@ -5687,10 +6068,9 @@
           <a:lstStyle/>
           <a:p>
             <a:r>
-              <a:rPr lang="en-US" dirty="0" smtClean="0"/>
+              <a:rPr lang="en-US" dirty="0"/>
               <a:t>VISUAL AID</a:t>
             </a:r>
-            <a:endParaRPr lang="en-US" dirty="0"/>
           </a:p>
         </p:txBody>
       </p:sp>
@@ -5715,11 +6095,11 @@
           <a:lstStyle/>
           <a:p>
             <a:r>
-              <a:rPr lang="en-US" dirty="0" smtClean="0"/>
+              <a:rPr lang="en-US" dirty="0"/>
               <a:t>In this diagram, the root node is </a:t>
             </a:r>
             <a:r>
-              <a:rPr lang="en-US" dirty="0" smtClean="0">
+              <a:rPr lang="en-US" dirty="0">
                 <a:solidFill>
                   <a:srgbClr val="FF0000"/>
                 </a:solidFill>
@@ -5727,11 +6107,11 @@
               <a:t>1</a:t>
             </a:r>
             <a:r>
-              <a:rPr lang="en-US" dirty="0" smtClean="0"/>
+              <a:rPr lang="en-US" dirty="0"/>
               <a:t> and the destination node is </a:t>
             </a:r>
             <a:r>
-              <a:rPr lang="en-US" dirty="0" smtClean="0">
+              <a:rPr lang="en-US" dirty="0">
                 <a:solidFill>
                   <a:srgbClr val="FF0000"/>
                 </a:solidFill>
@@ -5849,10 +6229,9 @@
           <a:lstStyle/>
           <a:p>
             <a:r>
-              <a:rPr lang="en-US" dirty="0" smtClean="0"/>
+              <a:rPr lang="en-US" dirty="0"/>
               <a:t>Visual Aid</a:t>
             </a:r>
-            <a:endParaRPr lang="en-US" dirty="0"/>
           </a:p>
         </p:txBody>
       </p:sp>
@@ -6251,14 +6630,13 @@
           <a:lstStyle/>
           <a:p>
             <a:r>
-              <a:rPr lang="en-US" dirty="0" smtClean="0"/>
+              <a:rPr lang="en-US" dirty="0"/>
               <a:t>Node 2 is visited first because it has the </a:t>
             </a:r>
             <a:r>
-              <a:rPr lang="en-US" b="1" dirty="0" smtClean="0"/>
+              <a:rPr lang="en-US" b="1" dirty="0"/>
               <a:t>shortest distance of 7</a:t>
             </a:r>
-            <a:endParaRPr lang="en-US" b="1" dirty="0"/>
           </a:p>
         </p:txBody>
       </p:sp>
@@ -6285,7 +6663,7 @@
           <a:lstStyle/>
           <a:p>
             <a:r>
-              <a:rPr lang="en-US" dirty="0" smtClean="0"/>
+              <a:rPr lang="en-US" dirty="0"/>
               <a:t>The distances of nodes 3 and 6 are then determined.</a:t>
             </a:r>
             <a:endParaRPr lang="en-US" b="1" dirty="0"/>
@@ -6343,10 +6721,9 @@
           <a:lstStyle/>
           <a:p>
             <a:r>
-              <a:rPr lang="en-US" dirty="0" smtClean="0"/>
+              <a:rPr lang="en-US" dirty="0"/>
               <a:t>Visual Aid</a:t>
             </a:r>
-            <a:endParaRPr lang="en-US" dirty="0"/>
           </a:p>
         </p:txBody>
       </p:sp>
@@ -6371,13 +6748,13 @@
           <a:lstStyle/>
           <a:p>
             <a:r>
-              <a:rPr lang="en-US" dirty="0" smtClean="0"/>
+              <a:rPr lang="en-US" dirty="0"/>
               <a:t>Node 2 will be chosen as the new Base because it has the shortest distance</a:t>
             </a:r>
           </a:p>
           <a:p>
             <a:r>
-              <a:rPr lang="en-US" dirty="0" smtClean="0"/>
+              <a:rPr lang="en-US" dirty="0"/>
               <a:t>Node one will be marked so it can no longer be visited</a:t>
             </a:r>
           </a:p>
@@ -6470,10 +6847,9 @@
           <a:p>
             <a:pPr algn="ctr"/>
             <a:r>
-              <a:rPr lang="en-US" dirty="0" smtClean="0"/>
+              <a:rPr lang="en-US" dirty="0"/>
               <a:t>1</a:t>
             </a:r>
-            <a:endParaRPr lang="en-US" dirty="0"/>
           </a:p>
         </p:txBody>
       </p:sp>
@@ -6514,10 +6890,9 @@
           <a:p>
             <a:pPr algn="ctr"/>
             <a:r>
-              <a:rPr lang="en-US" dirty="0" smtClean="0"/>
+              <a:rPr lang="en-US" dirty="0"/>
               <a:t>2</a:t>
             </a:r>
-            <a:endParaRPr lang="en-US" dirty="0"/>
           </a:p>
         </p:txBody>
       </p:sp>
@@ -6558,10 +6933,9 @@
           <a:p>
             <a:pPr algn="ctr"/>
             <a:r>
-              <a:rPr lang="en-US" dirty="0" smtClean="0"/>
+              <a:rPr lang="en-US" dirty="0"/>
               <a:t>9</a:t>
             </a:r>
-            <a:endParaRPr lang="en-US" dirty="0"/>
           </a:p>
         </p:txBody>
       </p:sp>
@@ -6608,10 +6982,562 @@
           </a:p>
         </p:txBody>
       </p:sp>
+      <p:sp>
+        <p:nvSpPr>
+          <p:cNvPr id="9" name="Rectangle 8">
+            <a:extLst>
+              <a:ext uri="{FF2B5EF4-FFF2-40B4-BE49-F238E27FC236}">
+                <a16:creationId xmlns:a16="http://schemas.microsoft.com/office/drawing/2014/main" id="{FCD5E403-5144-4042-A8FE-BAD99325C629}"/>
+              </a:ext>
+            </a:extLst>
+          </p:cNvPr>
+          <p:cNvSpPr/>
+          <p:nvPr/>
+        </p:nvSpPr>
+        <p:spPr>
+          <a:xfrm>
+            <a:off x="6186904" y="1064346"/>
+            <a:ext cx="545432" cy="256453"/>
+          </a:xfrm>
+          <a:prstGeom prst="rect">
+            <a:avLst/>
+          </a:prstGeom>
+        </p:spPr>
+        <p:style>
+          <a:lnRef idx="2">
+            <a:schemeClr val="accent1">
+              <a:shade val="50000"/>
+            </a:schemeClr>
+          </a:lnRef>
+          <a:fillRef idx="1">
+            <a:schemeClr val="accent1"/>
+          </a:fillRef>
+          <a:effectRef idx="0">
+            <a:schemeClr val="accent1"/>
+          </a:effectRef>
+          <a:fontRef idx="minor">
+            <a:schemeClr val="lt1"/>
+          </a:fontRef>
+        </p:style>
+        <p:txBody>
+          <a:bodyPr rtlCol="0" anchor="ctr"/>
+          <a:lstStyle/>
+          <a:p>
+            <a:pPr algn="ctr"/>
+            <a:r>
+              <a:rPr lang="en-US" dirty="0"/>
+              <a:t>14</a:t>
+            </a:r>
+          </a:p>
+        </p:txBody>
+      </p:sp>
     </p:spTree>
     <p:extLst>
       <p:ext uri="{BB962C8B-B14F-4D97-AF65-F5344CB8AC3E}">
         <p14:creationId xmlns:p14="http://schemas.microsoft.com/office/powerpoint/2010/main" val="2193017279"/>
+      </p:ext>
+    </p:extLst>
+  </p:cSld>
+  <p:clrMapOvr>
+    <a:masterClrMapping/>
+  </p:clrMapOvr>
+</p:sld>
+</file>
+
+<file path=ppt/slides/slide7.xml><?xml version="1.0" encoding="utf-8"?>
+<p:sld xmlns:a="http://schemas.openxmlformats.org/drawingml/2006/main" xmlns:r="http://schemas.openxmlformats.org/officeDocument/2006/relationships" xmlns:p="http://schemas.openxmlformats.org/presentationml/2006/main">
+  <p:cSld>
+    <p:spTree>
+      <p:nvGrpSpPr>
+        <p:cNvPr id="1" name=""/>
+        <p:cNvGrpSpPr/>
+        <p:nvPr/>
+      </p:nvGrpSpPr>
+      <p:grpSpPr>
+        <a:xfrm>
+          <a:off x="0" y="0"/>
+          <a:ext cx="0" cy="0"/>
+          <a:chOff x="0" y="0"/>
+          <a:chExt cx="0" cy="0"/>
+        </a:xfrm>
+      </p:grpSpPr>
+      <p:sp>
+        <p:nvSpPr>
+          <p:cNvPr id="2" name="Title 1">
+            <a:extLst>
+              <a:ext uri="{FF2B5EF4-FFF2-40B4-BE49-F238E27FC236}">
+                <a16:creationId xmlns:a16="http://schemas.microsoft.com/office/drawing/2014/main" id="{34695E5F-C8F2-4E63-9FB5-A0FCD3C32D80}"/>
+              </a:ext>
+            </a:extLst>
+          </p:cNvPr>
+          <p:cNvSpPr>
+            <a:spLocks noGrp="1"/>
+          </p:cNvSpPr>
+          <p:nvPr>
+            <p:ph type="title"/>
+          </p:nvPr>
+        </p:nvSpPr>
+        <p:spPr>
+          <a:xfrm>
+            <a:off x="468312" y="423332"/>
+            <a:ext cx="8534400" cy="1507067"/>
+          </a:xfrm>
+        </p:spPr>
+        <p:txBody>
+          <a:bodyPr/>
+          <a:lstStyle/>
+          <a:p>
+            <a:r>
+              <a:rPr lang="en-US" dirty="0"/>
+              <a:t>Goals</a:t>
+            </a:r>
+          </a:p>
+        </p:txBody>
+      </p:sp>
+      <p:sp>
+        <p:nvSpPr>
+          <p:cNvPr id="3" name="Content Placeholder 2">
+            <a:extLst>
+              <a:ext uri="{FF2B5EF4-FFF2-40B4-BE49-F238E27FC236}">
+                <a16:creationId xmlns:a16="http://schemas.microsoft.com/office/drawing/2014/main" id="{F670F369-081F-421C-9D6A-6D76EF86F506}"/>
+              </a:ext>
+            </a:extLst>
+          </p:cNvPr>
+          <p:cNvSpPr>
+            <a:spLocks noGrp="1"/>
+          </p:cNvSpPr>
+          <p:nvPr>
+            <p:ph idx="1"/>
+          </p:nvPr>
+        </p:nvSpPr>
+        <p:spPr>
+          <a:xfrm>
+            <a:off x="735012" y="1790700"/>
+            <a:ext cx="8534400" cy="3615267"/>
+          </a:xfrm>
+        </p:spPr>
+        <p:txBody>
+          <a:bodyPr/>
+          <a:lstStyle/>
+          <a:p>
+            <a:r>
+              <a:rPr lang="en-US" dirty="0"/>
+              <a:t>Test a serial implementation of Dijkstra’s algorithm to create base run times</a:t>
+            </a:r>
+          </a:p>
+          <a:p>
+            <a:r>
+              <a:rPr lang="en-US" dirty="0"/>
+              <a:t>Code a parallelized implementation of Dijkstra’s algorithm</a:t>
+            </a:r>
+          </a:p>
+          <a:p>
+            <a:r>
+              <a:rPr lang="en-US" dirty="0"/>
+              <a:t>Analyze the parallelized implementation and examine what can be parallelized and what cannot.</a:t>
+            </a:r>
+          </a:p>
+          <a:p>
+            <a:r>
+              <a:rPr lang="en-US" dirty="0"/>
+              <a:t>Compare the serial vs. parallelized programs using their runtimes and determine if it is worth using parallelization </a:t>
+            </a:r>
+          </a:p>
+        </p:txBody>
+      </p:sp>
+    </p:spTree>
+    <p:extLst>
+      <p:ext uri="{BB962C8B-B14F-4D97-AF65-F5344CB8AC3E}">
+        <p14:creationId xmlns:p14="http://schemas.microsoft.com/office/powerpoint/2010/main" val="207687605"/>
+      </p:ext>
+    </p:extLst>
+  </p:cSld>
+  <p:clrMapOvr>
+    <a:masterClrMapping/>
+  </p:clrMapOvr>
+</p:sld>
+</file>
+
+<file path=ppt/slides/slide8.xml><?xml version="1.0" encoding="utf-8"?>
+<p:sld xmlns:a="http://schemas.openxmlformats.org/drawingml/2006/main" xmlns:r="http://schemas.openxmlformats.org/officeDocument/2006/relationships" xmlns:p="http://schemas.openxmlformats.org/presentationml/2006/main">
+  <p:cSld>
+    <p:spTree>
+      <p:nvGrpSpPr>
+        <p:cNvPr id="1" name=""/>
+        <p:cNvGrpSpPr/>
+        <p:nvPr/>
+      </p:nvGrpSpPr>
+      <p:grpSpPr>
+        <a:xfrm>
+          <a:off x="0" y="0"/>
+          <a:ext cx="0" cy="0"/>
+          <a:chOff x="0" y="0"/>
+          <a:chExt cx="0" cy="0"/>
+        </a:xfrm>
+      </p:grpSpPr>
+      <p:sp>
+        <p:nvSpPr>
+          <p:cNvPr id="2" name="Title 1">
+            <a:extLst>
+              <a:ext uri="{FF2B5EF4-FFF2-40B4-BE49-F238E27FC236}">
+                <a16:creationId xmlns:a16="http://schemas.microsoft.com/office/drawing/2014/main" id="{80CB9162-447D-46DD-8DDF-6FA21D3B1464}"/>
+              </a:ext>
+            </a:extLst>
+          </p:cNvPr>
+          <p:cNvSpPr>
+            <a:spLocks noGrp="1"/>
+          </p:cNvSpPr>
+          <p:nvPr>
+            <p:ph type="title"/>
+          </p:nvPr>
+        </p:nvSpPr>
+        <p:spPr>
+          <a:xfrm>
+            <a:off x="684212" y="321732"/>
+            <a:ext cx="8534400" cy="1507067"/>
+          </a:xfrm>
+        </p:spPr>
+        <p:txBody>
+          <a:bodyPr/>
+          <a:lstStyle/>
+          <a:p>
+            <a:r>
+              <a:rPr lang="en-US" dirty="0" err="1"/>
+              <a:t>Aproach</a:t>
+            </a:r>
+            <a:endParaRPr lang="en-US" dirty="0"/>
+          </a:p>
+        </p:txBody>
+      </p:sp>
+      <p:sp>
+        <p:nvSpPr>
+          <p:cNvPr id="3" name="Content Placeholder 2">
+            <a:extLst>
+              <a:ext uri="{FF2B5EF4-FFF2-40B4-BE49-F238E27FC236}">
+                <a16:creationId xmlns:a16="http://schemas.microsoft.com/office/drawing/2014/main" id="{38CFE926-06AC-4FEA-B393-DE5FCB707D16}"/>
+              </a:ext>
+            </a:extLst>
+          </p:cNvPr>
+          <p:cNvSpPr>
+            <a:spLocks noGrp="1"/>
+          </p:cNvSpPr>
+          <p:nvPr>
+            <p:ph idx="1"/>
+          </p:nvPr>
+        </p:nvSpPr>
+        <p:spPr>
+          <a:xfrm>
+            <a:off x="684212" y="1413935"/>
+            <a:ext cx="8534400" cy="3615267"/>
+          </a:xfrm>
+        </p:spPr>
+        <p:txBody>
+          <a:bodyPr/>
+          <a:lstStyle/>
+          <a:p>
+            <a:r>
+              <a:rPr lang="en-US" dirty="0"/>
+              <a:t>The problem requires adjacent distances to be known when picking the next pivot node.</a:t>
+            </a:r>
+          </a:p>
+          <a:p>
+            <a:r>
+              <a:rPr lang="en-US" dirty="0"/>
+              <a:t>A node must have multiple connections in order for parallelization to be efficient</a:t>
+            </a:r>
+          </a:p>
+          <a:p>
+            <a:r>
+              <a:rPr lang="en-US" dirty="0"/>
+              <a:t>We will parallelize the process of finding distance to connected nodes for every pivot</a:t>
+            </a:r>
+          </a:p>
+          <a:p>
+            <a:r>
+              <a:rPr lang="en-US" dirty="0"/>
+              <a:t>Information will have to be given to a single process to pick the next node</a:t>
+            </a:r>
+          </a:p>
+        </p:txBody>
+      </p:sp>
+    </p:spTree>
+    <p:extLst>
+      <p:ext uri="{BB962C8B-B14F-4D97-AF65-F5344CB8AC3E}">
+        <p14:creationId xmlns:p14="http://schemas.microsoft.com/office/powerpoint/2010/main" val="1473573234"/>
+      </p:ext>
+    </p:extLst>
+  </p:cSld>
+  <p:clrMapOvr>
+    <a:masterClrMapping/>
+  </p:clrMapOvr>
+</p:sld>
+</file>
+
+<file path=ppt/slides/slide9.xml><?xml version="1.0" encoding="utf-8"?>
+<p:sld xmlns:a="http://schemas.openxmlformats.org/drawingml/2006/main" xmlns:r="http://schemas.openxmlformats.org/officeDocument/2006/relationships" xmlns:p="http://schemas.openxmlformats.org/presentationml/2006/main">
+  <p:cSld>
+    <p:spTree>
+      <p:nvGrpSpPr>
+        <p:cNvPr id="1" name=""/>
+        <p:cNvGrpSpPr/>
+        <p:nvPr/>
+      </p:nvGrpSpPr>
+      <p:grpSpPr>
+        <a:xfrm>
+          <a:off x="0" y="0"/>
+          <a:ext cx="0" cy="0"/>
+          <a:chOff x="0" y="0"/>
+          <a:chExt cx="0" cy="0"/>
+        </a:xfrm>
+      </p:grpSpPr>
+      <p:sp>
+        <p:nvSpPr>
+          <p:cNvPr id="2" name="Title 1">
+            <a:extLst>
+              <a:ext uri="{FF2B5EF4-FFF2-40B4-BE49-F238E27FC236}">
+                <a16:creationId xmlns:a16="http://schemas.microsoft.com/office/drawing/2014/main" id="{7F5F6835-AEE3-47E9-B2E3-8E31DDBFBAD4}"/>
+              </a:ext>
+            </a:extLst>
+          </p:cNvPr>
+          <p:cNvSpPr>
+            <a:spLocks noGrp="1"/>
+          </p:cNvSpPr>
+          <p:nvPr>
+            <p:ph type="title"/>
+          </p:nvPr>
+        </p:nvSpPr>
+        <p:spPr>
+          <a:xfrm>
+            <a:off x="595312" y="347132"/>
+            <a:ext cx="8534400" cy="1507067"/>
+          </a:xfrm>
+        </p:spPr>
+        <p:txBody>
+          <a:bodyPr/>
+          <a:lstStyle/>
+          <a:p>
+            <a:r>
+              <a:rPr lang="en-US" dirty="0"/>
+              <a:t>Preliminary outcomes</a:t>
+            </a:r>
+          </a:p>
+        </p:txBody>
+      </p:sp>
+      <p:pic>
+        <p:nvPicPr>
+          <p:cNvPr id="4" name="Picture 3">
+            <a:extLst>
+              <a:ext uri="{FF2B5EF4-FFF2-40B4-BE49-F238E27FC236}">
+                <a16:creationId xmlns:a16="http://schemas.microsoft.com/office/drawing/2014/main" id="{6AF4FCAD-91E5-4D54-A7B4-9F736BC37C21}"/>
+              </a:ext>
+            </a:extLst>
+          </p:cNvPr>
+          <p:cNvPicPr>
+            <a:picLocks noChangeAspect="1"/>
+          </p:cNvPicPr>
+          <p:nvPr/>
+        </p:nvPicPr>
+        <p:blipFill>
+          <a:blip r:embed="rId2"/>
+          <a:stretch>
+            <a:fillRect/>
+          </a:stretch>
+        </p:blipFill>
+        <p:spPr>
+          <a:xfrm>
+            <a:off x="285750" y="1455737"/>
+            <a:ext cx="9334500" cy="2524125"/>
+          </a:xfrm>
+          <a:prstGeom prst="rect">
+            <a:avLst/>
+          </a:prstGeom>
+        </p:spPr>
+      </p:pic>
+      <p:sp>
+        <p:nvSpPr>
+          <p:cNvPr id="5" name="Rectangle 4">
+            <a:extLst>
+              <a:ext uri="{FF2B5EF4-FFF2-40B4-BE49-F238E27FC236}">
+                <a16:creationId xmlns:a16="http://schemas.microsoft.com/office/drawing/2014/main" id="{67C75740-F788-4FA5-AF5B-7A430BB066BD}"/>
+              </a:ext>
+            </a:extLst>
+          </p:cNvPr>
+          <p:cNvSpPr/>
+          <p:nvPr/>
+        </p:nvSpPr>
+        <p:spPr>
+          <a:xfrm>
+            <a:off x="166066" y="1320800"/>
+            <a:ext cx="9573867" cy="515936"/>
+          </a:xfrm>
+          <a:prstGeom prst="rect">
+            <a:avLst/>
+          </a:prstGeom>
+          <a:noFill/>
+          <a:ln>
+            <a:solidFill>
+              <a:schemeClr val="accent6"/>
+            </a:solidFill>
+          </a:ln>
+        </p:spPr>
+        <p:style>
+          <a:lnRef idx="2">
+            <a:schemeClr val="accent1">
+              <a:shade val="50000"/>
+            </a:schemeClr>
+          </a:lnRef>
+          <a:fillRef idx="1">
+            <a:schemeClr val="accent1"/>
+          </a:fillRef>
+          <a:effectRef idx="0">
+            <a:schemeClr val="accent1"/>
+          </a:effectRef>
+          <a:fontRef idx="minor">
+            <a:schemeClr val="lt1"/>
+          </a:fontRef>
+        </p:style>
+        <p:txBody>
+          <a:bodyPr rtlCol="0" anchor="ctr"/>
+          <a:lstStyle/>
+          <a:p>
+            <a:pPr algn="ctr"/>
+            <a:endParaRPr lang="en-US"/>
+          </a:p>
+        </p:txBody>
+      </p:sp>
+      <p:cxnSp>
+        <p:nvCxnSpPr>
+          <p:cNvPr id="7" name="Straight Arrow Connector 6">
+            <a:extLst>
+              <a:ext uri="{FF2B5EF4-FFF2-40B4-BE49-F238E27FC236}">
+                <a16:creationId xmlns:a16="http://schemas.microsoft.com/office/drawing/2014/main" id="{3F636D77-74E1-4FAC-8F92-C5CB7EDDDC49}"/>
+              </a:ext>
+            </a:extLst>
+          </p:cNvPr>
+          <p:cNvCxnSpPr/>
+          <p:nvPr/>
+        </p:nvCxnSpPr>
+        <p:spPr>
+          <a:xfrm>
+            <a:off x="5854700" y="1854199"/>
+            <a:ext cx="825500" cy="2836864"/>
+          </a:xfrm>
+          <a:prstGeom prst="straightConnector1">
+            <a:avLst/>
+          </a:prstGeom>
+          <a:ln w="57150">
+            <a:solidFill>
+              <a:schemeClr val="accent6">
+                <a:alpha val="60000"/>
+              </a:schemeClr>
+            </a:solidFill>
+            <a:tailEnd type="triangle"/>
+          </a:ln>
+        </p:spPr>
+        <p:style>
+          <a:lnRef idx="1">
+            <a:schemeClr val="accent1"/>
+          </a:lnRef>
+          <a:fillRef idx="0">
+            <a:schemeClr val="accent1"/>
+          </a:fillRef>
+          <a:effectRef idx="0">
+            <a:schemeClr val="accent1"/>
+          </a:effectRef>
+          <a:fontRef idx="minor">
+            <a:schemeClr val="tx1"/>
+          </a:fontRef>
+        </p:style>
+      </p:cxnSp>
+      <p:sp>
+        <p:nvSpPr>
+          <p:cNvPr id="8" name="Rectangle 7">
+            <a:extLst>
+              <a:ext uri="{FF2B5EF4-FFF2-40B4-BE49-F238E27FC236}">
+                <a16:creationId xmlns:a16="http://schemas.microsoft.com/office/drawing/2014/main" id="{7A470C2F-C166-4651-8503-022397768C80}"/>
+              </a:ext>
+            </a:extLst>
+          </p:cNvPr>
+          <p:cNvSpPr/>
+          <p:nvPr/>
+        </p:nvSpPr>
+        <p:spPr>
+          <a:xfrm>
+            <a:off x="647963" y="4708526"/>
+            <a:ext cx="11238974" cy="1754326"/>
+          </a:xfrm>
+          <a:prstGeom prst="rect">
+            <a:avLst/>
+          </a:prstGeom>
+          <a:noFill/>
+        </p:spPr>
+        <p:txBody>
+          <a:bodyPr wrap="none" lIns="91440" tIns="45720" rIns="91440" bIns="45720">
+            <a:spAutoFit/>
+          </a:bodyPr>
+          <a:lstStyle/>
+          <a:p>
+            <a:pPr algn="ctr"/>
+            <a:r>
+              <a:rPr lang="en-US" sz="5400" b="1" cap="none" spc="0" dirty="0">
+                <a:ln w="22225">
+                  <a:solidFill>
+                    <a:schemeClr val="accent2"/>
+                  </a:solidFill>
+                  <a:prstDash val="solid"/>
+                </a:ln>
+                <a:solidFill>
+                  <a:schemeClr val="accent2">
+                    <a:lumMod val="40000"/>
+                    <a:lumOff val="60000"/>
+                  </a:schemeClr>
+                </a:solidFill>
+                <a:effectLst/>
+              </a:rPr>
+              <a:t>This file converts user input into</a:t>
+            </a:r>
+          </a:p>
+          <a:p>
+            <a:pPr algn="ctr"/>
+            <a:r>
+              <a:rPr lang="en-US" sz="5400" b="1" dirty="0">
+                <a:ln w="22225">
+                  <a:solidFill>
+                    <a:schemeClr val="accent2"/>
+                  </a:solidFill>
+                  <a:prstDash val="solid"/>
+                </a:ln>
+                <a:solidFill>
+                  <a:schemeClr val="accent2">
+                    <a:lumMod val="40000"/>
+                    <a:lumOff val="60000"/>
+                  </a:schemeClr>
+                </a:solidFill>
+              </a:rPr>
+              <a:t>A format usable by our programs</a:t>
+            </a:r>
+            <a:endParaRPr lang="en-US" sz="5400" b="1" cap="none" spc="0" dirty="0">
+              <a:ln w="22225">
+                <a:solidFill>
+                  <a:schemeClr val="accent2"/>
+                </a:solidFill>
+                <a:prstDash val="solid"/>
+              </a:ln>
+              <a:solidFill>
+                <a:schemeClr val="accent2">
+                  <a:lumMod val="40000"/>
+                  <a:lumOff val="60000"/>
+                </a:schemeClr>
+              </a:solidFill>
+              <a:effectLst/>
+            </a:endParaRPr>
+          </a:p>
+        </p:txBody>
+      </p:sp>
+    </p:spTree>
+    <p:extLst>
+      <p:ext uri="{BB962C8B-B14F-4D97-AF65-F5344CB8AC3E}">
+        <p14:creationId xmlns:p14="http://schemas.microsoft.com/office/powerpoint/2010/main" val="1077307642"/>
       </p:ext>
     </p:extLst>
   </p:cSld>
